--- a/High-quality programming code Battlefield 3.pptx
+++ b/High-quality programming code Battlefield 3.pptx
@@ -203,7 +203,7 @@
           <a:p>
             <a:fld id="{1A0C15EA-19E3-40BC-8CFA-C49136585381}" type="datetimeFigureOut">
               <a:rPr lang="bg-BG" smtClean="0"/>
-              <a:t>29.7.2014 г.</a:t>
+              <a:t>30.7.2014 г.</a:t>
             </a:fld>
             <a:endParaRPr lang="bg-BG"/>
           </a:p>
@@ -371,6 +371,11 @@
         </p:txBody>
       </p:sp>
     </p:spTree>
+    <p:extLst>
+      <p:ext uri="{BB962C8B-B14F-4D97-AF65-F5344CB8AC3E}">
+        <p14:creationId xmlns:p14="http://schemas.microsoft.com/office/powerpoint/2010/main" val="258999344"/>
+      </p:ext>
+    </p:extLst>
   </p:cSld>
   <p:clrMap bg1="lt1" tx1="dk1" bg2="lt2" tx2="dk2" accent1="accent1" accent2="accent2" accent3="accent3" accent4="accent4" accent5="accent5" accent6="accent6" hlink="hlink" folHlink="folHlink"/>
   <p:notesStyle>
@@ -649,7 +654,7 @@
           <a:p>
             <a:fld id="{DC5F2E55-0025-4C83-9C54-FD36EDC3066B}" type="datetimeFigureOut">
               <a:rPr lang="bg-BG" smtClean="0"/>
-              <a:t>29.7.2014 г.</a:t>
+              <a:t>30.7.2014 г.</a:t>
             </a:fld>
             <a:endParaRPr lang="bg-BG"/>
           </a:p>
@@ -814,7 +819,7 @@
           <a:p>
             <a:fld id="{DC5F2E55-0025-4C83-9C54-FD36EDC3066B}" type="datetimeFigureOut">
               <a:rPr lang="bg-BG" smtClean="0"/>
-              <a:t>29.7.2014 г.</a:t>
+              <a:t>30.7.2014 г.</a:t>
             </a:fld>
             <a:endParaRPr lang="bg-BG"/>
           </a:p>
@@ -989,7 +994,7 @@
           <a:p>
             <a:fld id="{DC5F2E55-0025-4C83-9C54-FD36EDC3066B}" type="datetimeFigureOut">
               <a:rPr lang="bg-BG" smtClean="0"/>
-              <a:t>29.7.2014 г.</a:t>
+              <a:t>30.7.2014 г.</a:t>
             </a:fld>
             <a:endParaRPr lang="bg-BG"/>
           </a:p>
@@ -1154,7 +1159,7 @@
           <a:p>
             <a:fld id="{DC5F2E55-0025-4C83-9C54-FD36EDC3066B}" type="datetimeFigureOut">
               <a:rPr lang="bg-BG" smtClean="0"/>
-              <a:t>29.7.2014 г.</a:t>
+              <a:t>30.7.2014 г.</a:t>
             </a:fld>
             <a:endParaRPr lang="bg-BG"/>
           </a:p>
@@ -1395,7 +1400,7 @@
           <a:p>
             <a:fld id="{DC5F2E55-0025-4C83-9C54-FD36EDC3066B}" type="datetimeFigureOut">
               <a:rPr lang="bg-BG" smtClean="0"/>
-              <a:t>29.7.2014 г.</a:t>
+              <a:t>30.7.2014 г.</a:t>
             </a:fld>
             <a:endParaRPr lang="bg-BG"/>
           </a:p>
@@ -1678,7 +1683,7 @@
           <a:p>
             <a:fld id="{DC5F2E55-0025-4C83-9C54-FD36EDC3066B}" type="datetimeFigureOut">
               <a:rPr lang="bg-BG" smtClean="0"/>
-              <a:t>29.7.2014 г.</a:t>
+              <a:t>30.7.2014 г.</a:t>
             </a:fld>
             <a:endParaRPr lang="bg-BG"/>
           </a:p>
@@ -2095,7 +2100,7 @@
           <a:p>
             <a:fld id="{DC5F2E55-0025-4C83-9C54-FD36EDC3066B}" type="datetimeFigureOut">
               <a:rPr lang="bg-BG" smtClean="0"/>
-              <a:t>29.7.2014 г.</a:t>
+              <a:t>30.7.2014 г.</a:t>
             </a:fld>
             <a:endParaRPr lang="bg-BG"/>
           </a:p>
@@ -2208,7 +2213,7 @@
           <a:p>
             <a:fld id="{DC5F2E55-0025-4C83-9C54-FD36EDC3066B}" type="datetimeFigureOut">
               <a:rPr lang="bg-BG" smtClean="0"/>
-              <a:t>29.7.2014 г.</a:t>
+              <a:t>30.7.2014 г.</a:t>
             </a:fld>
             <a:endParaRPr lang="bg-BG"/>
           </a:p>
@@ -2298,7 +2303,7 @@
           <a:p>
             <a:fld id="{DC5F2E55-0025-4C83-9C54-FD36EDC3066B}" type="datetimeFigureOut">
               <a:rPr lang="bg-BG" smtClean="0"/>
-              <a:t>29.7.2014 г.</a:t>
+              <a:t>30.7.2014 г.</a:t>
             </a:fld>
             <a:endParaRPr lang="bg-BG"/>
           </a:p>
@@ -2570,7 +2575,7 @@
           <a:p>
             <a:fld id="{DC5F2E55-0025-4C83-9C54-FD36EDC3066B}" type="datetimeFigureOut">
               <a:rPr lang="bg-BG" smtClean="0"/>
-              <a:t>29.7.2014 г.</a:t>
+              <a:t>30.7.2014 г.</a:t>
             </a:fld>
             <a:endParaRPr lang="bg-BG"/>
           </a:p>
@@ -2818,7 +2823,7 @@
           <a:p>
             <a:fld id="{DC5F2E55-0025-4C83-9C54-FD36EDC3066B}" type="datetimeFigureOut">
               <a:rPr lang="bg-BG" smtClean="0"/>
-              <a:t>29.7.2014 г.</a:t>
+              <a:t>30.7.2014 г.</a:t>
             </a:fld>
             <a:endParaRPr lang="bg-BG"/>
           </a:p>
@@ -3044,7 +3049,7 @@
           <a:p>
             <a:fld id="{DC5F2E55-0025-4C83-9C54-FD36EDC3066B}" type="datetimeFigureOut">
               <a:rPr lang="bg-BG" smtClean="0"/>
-              <a:t>29.7.2014 г.</a:t>
+              <a:t>30.7.2014 г.</a:t>
             </a:fld>
             <a:endParaRPr lang="bg-BG"/>
           </a:p>
@@ -3943,7 +3948,7 @@
         </p:spPr>
         <p:txBody>
           <a:bodyPr>
-            <a:normAutofit/>
+            <a:normAutofit fontScale="92500" lnSpcReduction="20000"/>
           </a:bodyPr>
           <a:lstStyle/>
           <a:p>
@@ -3951,12 +3956,56 @@
               <a:buNone/>
             </a:pPr>
             <a:r>
-              <a:rPr lang="en-US" dirty="0" smtClean="0">
+              <a:rPr lang="en-US" dirty="0">
                 <a:hlinkClick r:id="rId2"/>
               </a:rPr>
-              <a:t>pl0xicity</a:t>
-            </a:r>
-            <a:endParaRPr lang="en-US" dirty="0">
+              <a:t>Vazzzz</a:t>
+            </a:r>
+          </a:p>
+          <a:p>
+            <a:pPr algn="ctr" fontAlgn="t" latinLnBrk="1">
+              <a:buNone/>
+            </a:pPr>
+            <a:r>
+              <a:rPr lang="bg-BG" b="1" dirty="0"/>
+              <a:t>Ангел </a:t>
+            </a:r>
+            <a:r>
+              <a:rPr lang="bg-BG" b="1" dirty="0" smtClean="0"/>
+              <a:t>Димитров</a:t>
+            </a:r>
+            <a:endParaRPr lang="en-US" b="1" dirty="0" smtClean="0"/>
+          </a:p>
+          <a:p>
+            <a:pPr algn="ctr" fontAlgn="t" latinLnBrk="1">
+              <a:buNone/>
+            </a:pPr>
+            <a:endParaRPr lang="en-US" b="1" dirty="0" smtClean="0"/>
+          </a:p>
+          <a:p>
+            <a:pPr algn="ctr" fontAlgn="t" latinLnBrk="1">
+              <a:buNone/>
+            </a:pPr>
+            <a:r>
+              <a:rPr lang="en-US" dirty="0">
+                <a:hlinkClick r:id="rId3"/>
+              </a:rPr>
+              <a:t>Tsigularov</a:t>
+            </a:r>
+          </a:p>
+          <a:p>
+            <a:pPr algn="ctr" fontAlgn="t" latinLnBrk="1">
+              <a:buNone/>
+            </a:pPr>
+            <a:r>
+              <a:rPr lang="bg-BG" b="1" dirty="0"/>
+              <a:t>Янко </a:t>
+            </a:r>
+            <a:r>
+              <a:rPr lang="bg-BG" b="1" dirty="0" smtClean="0"/>
+              <a:t>Цигуларов</a:t>
+            </a:r>
+            <a:endParaRPr lang="bg-BG" b="1" dirty="0">
               <a:hlinkClick r:id="rId2"/>
             </a:endParaRPr>
           </a:p>
@@ -3964,74 +4013,37 @@
             <a:pPr algn="ctr" fontAlgn="t" latinLnBrk="1">
               <a:buNone/>
             </a:pPr>
+            <a:endParaRPr lang="en-US" dirty="0" smtClean="0">
+              <a:hlinkClick r:id="rId4"/>
+            </a:endParaRPr>
+          </a:p>
+          <a:p>
+            <a:pPr algn="ctr" fontAlgn="t" latinLnBrk="1">
+              <a:buNone/>
+            </a:pPr>
+            <a:r>
+              <a:rPr lang="en-US" dirty="0">
+                <a:hlinkClick r:id="rId5"/>
+              </a:rPr>
+              <a:t>icom85</a:t>
+            </a:r>
+          </a:p>
+          <a:p>
+            <a:pPr algn="ctr" fontAlgn="t" latinLnBrk="1">
+              <a:buNone/>
+            </a:pPr>
             <a:r>
               <a:rPr lang="bg-BG" b="1" dirty="0"/>
-              <a:t>Ивайло </a:t>
-            </a:r>
-            <a:r>
-              <a:rPr lang="bg-BG" b="1" dirty="0" smtClean="0"/>
-              <a:t>Христов</a:t>
-            </a:r>
-            <a:endParaRPr lang="en-US" b="1" dirty="0" smtClean="0">
-              <a:hlinkClick r:id="rId2"/>
+              <a:t>Христо Мерджанов</a:t>
+            </a:r>
+            <a:endParaRPr lang="en-US" b="1" dirty="0">
+              <a:hlinkClick r:id="rId5"/>
             </a:endParaRPr>
           </a:p>
           <a:p>
             <a:pPr algn="ctr" fontAlgn="t" latinLnBrk="1">
               <a:buNone/>
             </a:pPr>
-            <a:endParaRPr lang="bg-BG" dirty="0">
-              <a:hlinkClick r:id="rId2"/>
-            </a:endParaRPr>
-          </a:p>
-          <a:p>
-            <a:pPr algn="ctr" fontAlgn="t" latinLnBrk="1">
-              <a:buNone/>
-            </a:pPr>
-            <a:r>
-              <a:rPr lang="en-US" dirty="0" smtClean="0">
-                <a:hlinkClick r:id="rId3"/>
-              </a:rPr>
-              <a:t>Tanya</a:t>
-            </a:r>
-            <a:endParaRPr lang="en-US" dirty="0">
-              <a:hlinkClick r:id="rId3"/>
-            </a:endParaRPr>
-          </a:p>
-          <a:p>
-            <a:pPr algn="ctr" fontAlgn="t" latinLnBrk="1">
-              <a:buNone/>
-            </a:pPr>
-            <a:r>
-              <a:rPr lang="en-US" b="1" dirty="0"/>
-              <a:t>Tanya </a:t>
-            </a:r>
-            <a:r>
-              <a:rPr lang="en-US" b="1" dirty="0" err="1" smtClean="0"/>
-              <a:t>Petkova</a:t>
-            </a:r>
-            <a:endParaRPr lang="en-US" b="1" dirty="0" smtClean="0">
-              <a:hlinkClick r:id="rId3"/>
-            </a:endParaRPr>
-          </a:p>
-          <a:p>
-            <a:pPr algn="ctr" fontAlgn="t" latinLnBrk="1">
-              <a:buNone/>
-            </a:pPr>
-            <a:endParaRPr lang="en-US" dirty="0">
-              <a:hlinkClick r:id="rId3"/>
-            </a:endParaRPr>
-          </a:p>
-          <a:p>
-            <a:pPr algn="ctr" fontAlgn="t" latinLnBrk="1">
-              <a:buNone/>
-            </a:pPr>
-            <a:r>
-              <a:rPr lang="en-US" dirty="0" err="1" smtClean="0">
-                <a:hlinkClick r:id="rId4"/>
-              </a:rPr>
-              <a:t>Tsigularov</a:t>
-            </a:r>
             <a:endParaRPr lang="en-US" dirty="0">
               <a:hlinkClick r:id="rId4"/>
             </a:endParaRPr>
@@ -4041,15 +4053,22 @@
               <a:buNone/>
             </a:pPr>
             <a:r>
+              <a:rPr lang="en-US" dirty="0">
+                <a:hlinkClick r:id="rId6"/>
+              </a:rPr>
+              <a:t>georgi.neykov</a:t>
+            </a:r>
+          </a:p>
+          <a:p>
+            <a:pPr algn="ctr" fontAlgn="t" latinLnBrk="1">
+              <a:buNone/>
+            </a:pPr>
+            <a:r>
               <a:rPr lang="bg-BG" b="1" dirty="0"/>
-              <a:t>Янко </a:t>
-            </a:r>
-            <a:r>
-              <a:rPr lang="bg-BG" b="1" dirty="0" smtClean="0"/>
-              <a:t>Цигуларов</a:t>
-            </a:r>
-            <a:endParaRPr lang="en-US" b="1" dirty="0" smtClean="0">
-              <a:hlinkClick r:id="rId4"/>
+              <a:t>Георги Нейков</a:t>
+            </a:r>
+            <a:endParaRPr lang="en-US" b="1" dirty="0">
+              <a:hlinkClick r:id="rId6"/>
             </a:endParaRPr>
           </a:p>
           <a:p>
@@ -4065,17 +4084,13 @@
               <a:buNone/>
             </a:pPr>
             <a:r>
-              <a:rPr lang="bg-BG" dirty="0"/>
-              <a:t> </a:t>
-            </a:r>
-            <a:r>
-              <a:rPr lang="en-US" dirty="0" err="1" smtClean="0">
-                <a:hlinkClick r:id="rId5"/>
+              <a:rPr lang="en-US" dirty="0" smtClean="0">
+                <a:hlinkClick r:id="rId7"/>
               </a:rPr>
-              <a:t>Vazzzz</a:t>
+              <a:t>Tanya</a:t>
             </a:r>
             <a:endParaRPr lang="en-US" dirty="0">
-              <a:hlinkClick r:id="rId5"/>
+              <a:hlinkClick r:id="rId7"/>
             </a:endParaRPr>
           </a:p>
           <a:p>
@@ -4083,15 +4098,13 @@
               <a:buNone/>
             </a:pPr>
             <a:r>
-              <a:rPr lang="bg-BG" b="1" dirty="0"/>
-              <a:t>Ангел Димитров</a:t>
-            </a:r>
-            <a:endParaRPr lang="bg-BG" b="1" dirty="0">
-              <a:hlinkClick r:id="rId5"/>
-            </a:endParaRPr>
-          </a:p>
-          <a:p>
-            <a:pPr algn="ctr"/>
+              <a:rPr lang="en-US" b="1" dirty="0"/>
+              <a:t>Tanya </a:t>
+            </a:r>
+            <a:r>
+              <a:rPr lang="en-US" b="1" dirty="0" smtClean="0"/>
+              <a:t>Petkova</a:t>
+            </a:r>
             <a:endParaRPr lang="bg-BG" dirty="0"/>
           </a:p>
         </p:txBody>
@@ -4119,32 +4132,6 @@
             <a:pPr algn="ctr" fontAlgn="t" latinLnBrk="1">
               <a:buNone/>
             </a:pPr>
-            <a:r>
-              <a:rPr lang="en-US" dirty="0" err="1" smtClean="0">
-                <a:hlinkClick r:id="rId6"/>
-              </a:rPr>
-              <a:t>georgi.neykov</a:t>
-            </a:r>
-            <a:endParaRPr lang="en-US" dirty="0" smtClean="0">
-              <a:hlinkClick r:id="rId6"/>
-            </a:endParaRPr>
-          </a:p>
-          <a:p>
-            <a:pPr algn="ctr" fontAlgn="t" latinLnBrk="1">
-              <a:buNone/>
-            </a:pPr>
-            <a:r>
-              <a:rPr lang="bg-BG" b="1" dirty="0" smtClean="0"/>
-              <a:t>Георги Нейков</a:t>
-            </a:r>
-            <a:endParaRPr lang="en-US" b="1" dirty="0" smtClean="0">
-              <a:hlinkClick r:id="rId6"/>
-            </a:endParaRPr>
-          </a:p>
-          <a:p>
-            <a:pPr algn="ctr" fontAlgn="t" latinLnBrk="1">
-              <a:buNone/>
-            </a:pPr>
             <a:endParaRPr lang="bg-BG" dirty="0" smtClean="0">
               <a:hlinkClick r:id="rId6"/>
             </a:endParaRPr>
@@ -4155,12 +4142,18 @@
             </a:pPr>
             <a:r>
               <a:rPr lang="en-US" dirty="0" err="1" smtClean="0">
-                <a:hlinkClick r:id="rId7"/>
+                <a:solidFill>
+                  <a:srgbClr val="FF0000"/>
+                </a:solidFill>
+                <a:hlinkClick r:id="rId8"/>
               </a:rPr>
               <a:t>skloser</a:t>
             </a:r>
             <a:endParaRPr lang="en-US" dirty="0" smtClean="0">
-              <a:hlinkClick r:id="rId7"/>
+              <a:solidFill>
+                <a:srgbClr val="FF0000"/>
+              </a:solidFill>
+              <a:hlinkClick r:id="rId8"/>
             </a:endParaRPr>
           </a:p>
           <a:p>
@@ -4168,11 +4161,18 @@
               <a:buNone/>
             </a:pPr>
             <a:r>
-              <a:rPr lang="bg-BG" b="1" dirty="0" smtClean="0"/>
+              <a:rPr lang="bg-BG" b="1" dirty="0" smtClean="0">
+                <a:solidFill>
+                  <a:srgbClr val="FF0000"/>
+                </a:solidFill>
+              </a:rPr>
               <a:t>Крум Багашев</a:t>
             </a:r>
             <a:endParaRPr lang="en-US" b="1" dirty="0" smtClean="0">
-              <a:hlinkClick r:id="rId7"/>
+              <a:solidFill>
+                <a:srgbClr val="FF0000"/>
+              </a:solidFill>
+              <a:hlinkClick r:id="rId8"/>
             </a:endParaRPr>
           </a:p>
           <a:p>
@@ -4180,29 +4180,9 @@
               <a:buNone/>
             </a:pPr>
             <a:endParaRPr lang="bg-BG" dirty="0" smtClean="0">
-              <a:hlinkClick r:id="rId7"/>
-            </a:endParaRPr>
-          </a:p>
-          <a:p>
-            <a:pPr algn="ctr" fontAlgn="t" latinLnBrk="1">
-              <a:buNone/>
-            </a:pPr>
-            <a:r>
-              <a:rPr lang="en-US" dirty="0" smtClean="0">
-                <a:hlinkClick r:id="rId8"/>
-              </a:rPr>
-              <a:t>icom85</a:t>
-            </a:r>
-          </a:p>
-          <a:p>
-            <a:pPr algn="ctr" fontAlgn="t" latinLnBrk="1">
-              <a:buNone/>
-            </a:pPr>
-            <a:r>
-              <a:rPr lang="bg-BG" b="1" dirty="0" smtClean="0"/>
-              <a:t>Христо Мерджанов</a:t>
-            </a:r>
-            <a:endParaRPr lang="en-US" b="1" dirty="0" smtClean="0">
+              <a:solidFill>
+                <a:srgbClr val="FF0000"/>
+              </a:solidFill>
               <a:hlinkClick r:id="rId8"/>
             </a:endParaRPr>
           </a:p>
@@ -4210,8 +4190,44 @@
             <a:pPr algn="ctr" fontAlgn="t" latinLnBrk="1">
               <a:buNone/>
             </a:pPr>
+            <a:r>
+              <a:rPr lang="en-US" dirty="0">
+                <a:solidFill>
+                  <a:srgbClr val="FF0000"/>
+                </a:solidFill>
+                <a:hlinkClick r:id="rId4"/>
+              </a:rPr>
+              <a:t>pl0xicity</a:t>
+            </a:r>
+          </a:p>
+          <a:p>
+            <a:pPr algn="ctr" fontAlgn="t" latinLnBrk="1">
+              <a:buNone/>
+            </a:pPr>
+            <a:r>
+              <a:rPr lang="bg-BG" b="1" dirty="0">
+                <a:solidFill>
+                  <a:srgbClr val="FF0000"/>
+                </a:solidFill>
+              </a:rPr>
+              <a:t>Ивайло Христов</a:t>
+            </a:r>
+            <a:endParaRPr lang="en-US" b="1" dirty="0">
+              <a:solidFill>
+                <a:srgbClr val="FF0000"/>
+              </a:solidFill>
+              <a:hlinkClick r:id="rId4"/>
+            </a:endParaRPr>
+          </a:p>
+          <a:p>
+            <a:pPr algn="ctr" fontAlgn="t" latinLnBrk="1">
+              <a:buNone/>
+            </a:pPr>
             <a:endParaRPr lang="bg-BG" dirty="0" smtClean="0">
-              <a:hlinkClick r:id="rId8"/>
+              <a:solidFill>
+                <a:srgbClr val="FF0000"/>
+              </a:solidFill>
+              <a:hlinkClick r:id="rId5"/>
             </a:endParaRPr>
           </a:p>
           <a:p>
@@ -4220,11 +4236,17 @@
             </a:pPr>
             <a:r>
               <a:rPr lang="en-US" dirty="0" err="1" smtClean="0">
+                <a:solidFill>
+                  <a:srgbClr val="FF0000"/>
+                </a:solidFill>
                 <a:hlinkClick r:id="rId9"/>
               </a:rPr>
               <a:t>bgotov</a:t>
             </a:r>
             <a:endParaRPr lang="en-US" dirty="0" smtClean="0">
+              <a:solidFill>
+                <a:srgbClr val="FF0000"/>
+              </a:solidFill>
               <a:hlinkClick r:id="rId9"/>
             </a:endParaRPr>
           </a:p>
@@ -4233,10 +4255,17 @@
               <a:buNone/>
             </a:pPr>
             <a:r>
-              <a:rPr lang="bg-BG" b="1" dirty="0" smtClean="0"/>
+              <a:rPr lang="bg-BG" b="1" dirty="0" smtClean="0">
+                <a:solidFill>
+                  <a:srgbClr val="FF0000"/>
+                </a:solidFill>
+              </a:rPr>
               <a:t>Борислав Готов</a:t>
             </a:r>
             <a:endParaRPr lang="bg-BG" b="1" dirty="0" smtClean="0">
+              <a:solidFill>
+                <a:srgbClr val="FF0000"/>
+              </a:solidFill>
               <a:hlinkClick r:id="rId9"/>
             </a:endParaRPr>
           </a:p>

--- a/High-quality programming code Battlefield 3.pptx
+++ b/High-quality programming code Battlefield 3.pptx
@@ -5333,23 +5333,15 @@
             </a:pPr>
             <a:r>
               <a:rPr lang="en-US" dirty="0" smtClean="0"/>
-              <a:t>Design patterns – factory, memento, observer, </a:t>
-            </a:r>
-            <a:r>
-              <a:rPr lang="en-US" dirty="0" err="1" smtClean="0"/>
-              <a:t>fascade</a:t>
+              <a:t>Design patterns – factory, memento, observer, fascade, iterator, </a:t>
             </a:r>
             <a:r>
               <a:rPr lang="en-US" dirty="0" smtClean="0"/>
-              <a:t>, </a:t>
-            </a:r>
-            <a:r>
-              <a:rPr lang="en-US" dirty="0" err="1" smtClean="0"/>
-              <a:t>iterator</a:t>
+              <a:t>singleton, etc</a:t>
             </a:r>
             <a:r>
               <a:rPr lang="en-US" dirty="0" smtClean="0"/>
-              <a:t>, etc.</a:t>
+              <a:t>.</a:t>
             </a:r>
             <a:endParaRPr lang="bg-BG" dirty="0"/>
           </a:p>

--- a/High-quality programming code Battlefield 3.pptx
+++ b/High-quality programming code Battlefield 3.pptx
@@ -5333,11 +5333,27 @@
             </a:pPr>
             <a:r>
               <a:rPr lang="en-US" dirty="0" smtClean="0"/>
-              <a:t>Design patterns – factory, memento, observer, fascade, iterator, </a:t>
+              <a:t>Design patterns – </a:t>
             </a:r>
             <a:r>
               <a:rPr lang="en-US" dirty="0" smtClean="0"/>
-              <a:t>singleton, etc</a:t>
+              <a:t>simple factory, singleton, facade, memento</a:t>
+            </a:r>
+            <a:r>
+              <a:rPr lang="en-US" dirty="0" smtClean="0"/>
+              <a:t>, </a:t>
+            </a:r>
+            <a:r>
+              <a:rPr lang="en-US" dirty="0" smtClean="0"/>
+              <a:t>observer, </a:t>
+            </a:r>
+            <a:r>
+              <a:rPr lang="en-US" dirty="0" smtClean="0"/>
+              <a:t>iterator</a:t>
+            </a:r>
+            <a:r>
+              <a:rPr lang="en-US" dirty="0" smtClean="0"/>
+              <a:t>, etc</a:t>
             </a:r>
             <a:r>
               <a:rPr lang="en-US" dirty="0" smtClean="0"/>

--- a/High-quality programming code Battlefield 3.pptx
+++ b/High-quality programming code Battlefield 3.pptx
@@ -203,7 +203,7 @@
           <a:p>
             <a:fld id="{1A0C15EA-19E3-40BC-8CFA-C49136585381}" type="datetimeFigureOut">
               <a:rPr lang="bg-BG" smtClean="0"/>
-              <a:t>30.7.2014 г.</a:t>
+              <a:t>31.7.2014 г.</a:t>
             </a:fld>
             <a:endParaRPr lang="bg-BG"/>
           </a:p>
@@ -654,7 +654,7 @@
           <a:p>
             <a:fld id="{DC5F2E55-0025-4C83-9C54-FD36EDC3066B}" type="datetimeFigureOut">
               <a:rPr lang="bg-BG" smtClean="0"/>
-              <a:t>30.7.2014 г.</a:t>
+              <a:t>31.7.2014 г.</a:t>
             </a:fld>
             <a:endParaRPr lang="bg-BG"/>
           </a:p>
@@ -819,7 +819,7 @@
           <a:p>
             <a:fld id="{DC5F2E55-0025-4C83-9C54-FD36EDC3066B}" type="datetimeFigureOut">
               <a:rPr lang="bg-BG" smtClean="0"/>
-              <a:t>30.7.2014 г.</a:t>
+              <a:t>31.7.2014 г.</a:t>
             </a:fld>
             <a:endParaRPr lang="bg-BG"/>
           </a:p>
@@ -994,7 +994,7 @@
           <a:p>
             <a:fld id="{DC5F2E55-0025-4C83-9C54-FD36EDC3066B}" type="datetimeFigureOut">
               <a:rPr lang="bg-BG" smtClean="0"/>
-              <a:t>30.7.2014 г.</a:t>
+              <a:t>31.7.2014 г.</a:t>
             </a:fld>
             <a:endParaRPr lang="bg-BG"/>
           </a:p>
@@ -1159,7 +1159,7 @@
           <a:p>
             <a:fld id="{DC5F2E55-0025-4C83-9C54-FD36EDC3066B}" type="datetimeFigureOut">
               <a:rPr lang="bg-BG" smtClean="0"/>
-              <a:t>30.7.2014 г.</a:t>
+              <a:t>31.7.2014 г.</a:t>
             </a:fld>
             <a:endParaRPr lang="bg-BG"/>
           </a:p>
@@ -1400,7 +1400,7 @@
           <a:p>
             <a:fld id="{DC5F2E55-0025-4C83-9C54-FD36EDC3066B}" type="datetimeFigureOut">
               <a:rPr lang="bg-BG" smtClean="0"/>
-              <a:t>30.7.2014 г.</a:t>
+              <a:t>31.7.2014 г.</a:t>
             </a:fld>
             <a:endParaRPr lang="bg-BG"/>
           </a:p>
@@ -1683,7 +1683,7 @@
           <a:p>
             <a:fld id="{DC5F2E55-0025-4C83-9C54-FD36EDC3066B}" type="datetimeFigureOut">
               <a:rPr lang="bg-BG" smtClean="0"/>
-              <a:t>30.7.2014 г.</a:t>
+              <a:t>31.7.2014 г.</a:t>
             </a:fld>
             <a:endParaRPr lang="bg-BG"/>
           </a:p>
@@ -2100,7 +2100,7 @@
           <a:p>
             <a:fld id="{DC5F2E55-0025-4C83-9C54-FD36EDC3066B}" type="datetimeFigureOut">
               <a:rPr lang="bg-BG" smtClean="0"/>
-              <a:t>30.7.2014 г.</a:t>
+              <a:t>31.7.2014 г.</a:t>
             </a:fld>
             <a:endParaRPr lang="bg-BG"/>
           </a:p>
@@ -2213,7 +2213,7 @@
           <a:p>
             <a:fld id="{DC5F2E55-0025-4C83-9C54-FD36EDC3066B}" type="datetimeFigureOut">
               <a:rPr lang="bg-BG" smtClean="0"/>
-              <a:t>30.7.2014 г.</a:t>
+              <a:t>31.7.2014 г.</a:t>
             </a:fld>
             <a:endParaRPr lang="bg-BG"/>
           </a:p>
@@ -2303,7 +2303,7 @@
           <a:p>
             <a:fld id="{DC5F2E55-0025-4C83-9C54-FD36EDC3066B}" type="datetimeFigureOut">
               <a:rPr lang="bg-BG" smtClean="0"/>
-              <a:t>30.7.2014 г.</a:t>
+              <a:t>31.7.2014 г.</a:t>
             </a:fld>
             <a:endParaRPr lang="bg-BG"/>
           </a:p>
@@ -2575,7 +2575,7 @@
           <a:p>
             <a:fld id="{DC5F2E55-0025-4C83-9C54-FD36EDC3066B}" type="datetimeFigureOut">
               <a:rPr lang="bg-BG" smtClean="0"/>
-              <a:t>30.7.2014 г.</a:t>
+              <a:t>31.7.2014 г.</a:t>
             </a:fld>
             <a:endParaRPr lang="bg-BG"/>
           </a:p>
@@ -2823,7 +2823,7 @@
           <a:p>
             <a:fld id="{DC5F2E55-0025-4C83-9C54-FD36EDC3066B}" type="datetimeFigureOut">
               <a:rPr lang="bg-BG" smtClean="0"/>
-              <a:t>30.7.2014 г.</a:t>
+              <a:t>31.7.2014 г.</a:t>
             </a:fld>
             <a:endParaRPr lang="bg-BG"/>
           </a:p>
@@ -3049,7 +3049,7 @@
           <a:p>
             <a:fld id="{DC5F2E55-0025-4C83-9C54-FD36EDC3066B}" type="datetimeFigureOut">
               <a:rPr lang="bg-BG" smtClean="0"/>
-              <a:t>30.7.2014 г.</a:t>
+              <a:t>31.7.2014 г.</a:t>
             </a:fld>
             <a:endParaRPr lang="bg-BG"/>
           </a:p>
@@ -4543,11 +4543,19 @@
             </a:pPr>
             <a:r>
               <a:rPr lang="en-US" dirty="0" smtClean="0"/>
-              <a:t>110 commits between </a:t>
+              <a:t>114 commits between </a:t>
             </a:r>
             <a:r>
               <a:rPr lang="en-US" dirty="0"/>
-              <a:t>May 25, 2014 - Jul 29, 2014</a:t>
+              <a:t>May 25, 2014 - Jul </a:t>
+            </a:r>
+            <a:r>
+              <a:rPr lang="en-US" dirty="0" smtClean="0"/>
+              <a:t>30, </a:t>
+            </a:r>
+            <a:r>
+              <a:rPr lang="en-US" dirty="0"/>
+              <a:t>2014</a:t>
             </a:r>
             <a:endParaRPr lang="bg-BG" dirty="0"/>
           </a:p>
@@ -5187,7 +5195,7 @@
             </a:r>
             <a:r>
               <a:rPr lang="en-US" i="1" dirty="0" smtClean="0"/>
-              <a:t>more than 85% code coverage</a:t>
+              <a:t>more than 83% code coverage</a:t>
             </a:r>
             <a:r>
               <a:rPr lang="en-US" dirty="0" smtClean="0"/>
@@ -5333,31 +5341,7 @@
             </a:pPr>
             <a:r>
               <a:rPr lang="en-US" dirty="0" smtClean="0"/>
-              <a:t>Design patterns – </a:t>
-            </a:r>
-            <a:r>
-              <a:rPr lang="en-US" dirty="0" smtClean="0"/>
-              <a:t>simple factory, singleton, facade, memento</a:t>
-            </a:r>
-            <a:r>
-              <a:rPr lang="en-US" dirty="0" smtClean="0"/>
-              <a:t>, </a:t>
-            </a:r>
-            <a:r>
-              <a:rPr lang="en-US" dirty="0" smtClean="0"/>
-              <a:t>observer, </a:t>
-            </a:r>
-            <a:r>
-              <a:rPr lang="en-US" dirty="0" smtClean="0"/>
-              <a:t>iterator</a:t>
-            </a:r>
-            <a:r>
-              <a:rPr lang="en-US" dirty="0" smtClean="0"/>
-              <a:t>, etc</a:t>
-            </a:r>
-            <a:r>
-              <a:rPr lang="en-US" dirty="0" smtClean="0"/>
-              <a:t>.</a:t>
+              <a:t>Design patterns – simple factory, singleton, facade, memento, observer, iterator, etc.</a:t>
             </a:r>
             <a:endParaRPr lang="bg-BG" dirty="0"/>
           </a:p>
